--- a/docs/deployment_guide/images/architecture_diagram.pptx
+++ b/docs/deployment_guide/images/architecture_diagram.pptx
@@ -3705,7 +3705,7 @@
         </p:blipFill>
         <p:spPr bwMode="auto">
           <a:xfrm>
-            <a:off x="10167444" y="2072732"/>
+            <a:off x="10167443" y="3245154"/>
             <a:ext cx="762000" cy="762000"/>
           </a:xfrm>
           <a:prstGeom prst="rect">
@@ -3752,8 +3752,8 @@
         </p:nvSpPr>
         <p:spPr bwMode="auto">
           <a:xfrm>
-            <a:off x="9741244" y="2834732"/>
-            <a:ext cx="1614399" cy="276999"/>
+            <a:off x="9527196" y="2834732"/>
+            <a:ext cx="2042494" cy="276999"/>
           </a:xfrm>
           <a:prstGeom prst="rect">
             <a:avLst/>
@@ -3892,7 +3892,7 @@
                 <a:ea typeface="Amazon Ember" panose="020B0603020204020204" pitchFamily="34" charset="0"/>
                 <a:cs typeface="Arial" panose="020B0604020202020204" pitchFamily="34" charset="0"/>
               </a:rPr>
-              <a:t>Amazon CloudWatch</a:t>
+              <a:t>AWS Systems Manager</a:t>
             </a:r>
           </a:p>
         </p:txBody>
@@ -4771,83 +4771,23 @@
           </a:extLst>
         </p:spPr>
       </p:pic>
-      <p:pic>
-        <p:nvPicPr>
-          <p:cNvPr id="26" name="Graphic 62">
-            <a:extLst>
-              <a:ext uri="{FF2B5EF4-FFF2-40B4-BE49-F238E27FC236}">
-                <a16:creationId xmlns:a16="http://schemas.microsoft.com/office/drawing/2014/main" id="{A38994C5-B93F-4300-9F11-5DA6C4F5D4FF}"/>
-              </a:ext>
-            </a:extLst>
-          </p:cNvPr>
-          <p:cNvPicPr>
-            <a:picLocks noChangeAspect="1" noChangeArrowheads="1"/>
-          </p:cNvPicPr>
+      <p:sp>
+        <p:nvSpPr>
+          <p:cNvPr id="27" name="TextBox 16">
+            <a:extLst>
+              <a:ext uri="{FF2B5EF4-FFF2-40B4-BE49-F238E27FC236}">
+                <a16:creationId xmlns:a16="http://schemas.microsoft.com/office/drawing/2014/main" id="{6D31A402-2F3B-4CD6-9860-8AC77529E62B}"/>
+              </a:ext>
+            </a:extLst>
+          </p:cNvPr>
+          <p:cNvSpPr txBox="1">
+            <a:spLocks noChangeArrowheads="1"/>
+          </p:cNvSpPr>
           <p:nvPr/>
-        </p:nvPicPr>
-        <p:blipFill>
-          <a:blip r:embed="rId12">
-            <a:extLst>
-              <a:ext uri="{28A0092B-C50C-407E-A947-70E740481C1C}">
-                <a14:useLocalDpi xmlns:a14="http://schemas.microsoft.com/office/drawing/2010/main" val="0"/>
-              </a:ext>
-            </a:extLst>
-          </a:blip>
-          <a:srcRect/>
-          <a:stretch>
-            <a:fillRect/>
-          </a:stretch>
-        </p:blipFill>
+        </p:nvSpPr>
         <p:spPr bwMode="auto">
           <a:xfrm>
-            <a:off x="3210280" y="2542930"/>
-            <a:ext cx="457200" cy="457200"/>
-          </a:xfrm>
-          <a:prstGeom prst="rect">
-            <a:avLst/>
-          </a:prstGeom>
-          <a:noFill/>
-          <a:ln>
-            <a:noFill/>
-          </a:ln>
-          <a:extLst>
-            <a:ext uri="{909E8E84-426E-40DD-AFC4-6F175D3DCCD1}">
-              <a14:hiddenFill xmlns:a14="http://schemas.microsoft.com/office/drawing/2010/main">
-                <a:solidFill>
-                  <a:srgbClr val="FFFFFF"/>
-                </a:solidFill>
-              </a14:hiddenFill>
-            </a:ext>
-            <a:ext uri="{91240B29-F687-4F45-9708-019B960494DF}">
-              <a14:hiddenLine xmlns:a14="http://schemas.microsoft.com/office/drawing/2010/main" w="9525">
-                <a:solidFill>
-                  <a:srgbClr val="000000"/>
-                </a:solidFill>
-                <a:miter lim="800000"/>
-                <a:headEnd/>
-                <a:tailEnd/>
-              </a14:hiddenLine>
-            </a:ext>
-          </a:extLst>
-        </p:spPr>
-      </p:pic>
-      <p:sp>
-        <p:nvSpPr>
-          <p:cNvPr id="27" name="TextBox 16">
-            <a:extLst>
-              <a:ext uri="{FF2B5EF4-FFF2-40B4-BE49-F238E27FC236}">
-                <a16:creationId xmlns:a16="http://schemas.microsoft.com/office/drawing/2014/main" id="{6D31A402-2F3B-4CD6-9860-8AC77529E62B}"/>
-              </a:ext>
-            </a:extLst>
-          </p:cNvPr>
-          <p:cNvSpPr txBox="1">
-            <a:spLocks noChangeArrowheads="1"/>
-          </p:cNvSpPr>
-          <p:nvPr/>
-        </p:nvSpPr>
-        <p:spPr bwMode="auto">
-          <a:xfrm>
-            <a:off x="2880228" y="2982545"/>
+            <a:off x="2822803" y="2973231"/>
             <a:ext cx="1115568" cy="430887"/>
           </a:xfrm>
           <a:prstGeom prst="rect">
@@ -4987,89 +4927,28 @@
                 <a:ea typeface="Amazon Ember" panose="020B0603020204020204" pitchFamily="34" charset="0"/>
                 <a:cs typeface="Arial" panose="020B0604020202020204" pitchFamily="34" charset="0"/>
               </a:rPr>
-              <a:t>Linux bastion instances</a:t>
-            </a:r>
-          </a:p>
-        </p:txBody>
-      </p:sp>
-      <p:pic>
-        <p:nvPicPr>
-          <p:cNvPr id="28" name="Graphic 62">
-            <a:extLst>
-              <a:ext uri="{FF2B5EF4-FFF2-40B4-BE49-F238E27FC236}">
-                <a16:creationId xmlns:a16="http://schemas.microsoft.com/office/drawing/2014/main" id="{4C8BCB19-F714-4279-A11C-28ABC013A74A}"/>
-              </a:ext>
-            </a:extLst>
-          </p:cNvPr>
-          <p:cNvPicPr>
-            <a:picLocks noChangeAspect="1" noChangeArrowheads="1"/>
-          </p:cNvPicPr>
+              <a:t>Linux bastion host</a:t>
+            </a:r>
+          </a:p>
+        </p:txBody>
+      </p:sp>
+      <p:sp>
+        <p:nvSpPr>
+          <p:cNvPr id="29" name="TextBox 16">
+            <a:extLst>
+              <a:ext uri="{FF2B5EF4-FFF2-40B4-BE49-F238E27FC236}">
+                <a16:creationId xmlns:a16="http://schemas.microsoft.com/office/drawing/2014/main" id="{DB6A15CF-74A6-407F-85B3-089A116A7EA4}"/>
+              </a:ext>
+            </a:extLst>
+          </p:cNvPr>
+          <p:cNvSpPr txBox="1">
+            <a:spLocks noChangeArrowheads="1"/>
+          </p:cNvSpPr>
           <p:nvPr/>
-        </p:nvPicPr>
-        <p:blipFill>
-          <a:blip r:embed="rId12">
-            <a:alphaModFix amt="50000"/>
-            <a:extLst>
-              <a:ext uri="{28A0092B-C50C-407E-A947-70E740481C1C}">
-                <a14:useLocalDpi xmlns:a14="http://schemas.microsoft.com/office/drawing/2010/main" val="0"/>
-              </a:ext>
-            </a:extLst>
-          </a:blip>
-          <a:srcRect/>
-          <a:stretch>
-            <a:fillRect/>
-          </a:stretch>
-        </p:blipFill>
+        </p:nvSpPr>
         <p:spPr bwMode="auto">
           <a:xfrm>
-            <a:off x="6742909" y="2542930"/>
-            <a:ext cx="457200" cy="457200"/>
-          </a:xfrm>
-          <a:prstGeom prst="rect">
-            <a:avLst/>
-          </a:prstGeom>
-          <a:noFill/>
-          <a:ln>
-            <a:noFill/>
-          </a:ln>
-          <a:extLst>
-            <a:ext uri="{909E8E84-426E-40DD-AFC4-6F175D3DCCD1}">
-              <a14:hiddenFill xmlns:a14="http://schemas.microsoft.com/office/drawing/2010/main">
-                <a:solidFill>
-                  <a:srgbClr val="FFFFFF"/>
-                </a:solidFill>
-              </a14:hiddenFill>
-            </a:ext>
-            <a:ext uri="{91240B29-F687-4F45-9708-019B960494DF}">
-              <a14:hiddenLine xmlns:a14="http://schemas.microsoft.com/office/drawing/2010/main" w="9525">
-                <a:solidFill>
-                  <a:srgbClr val="000000"/>
-                </a:solidFill>
-                <a:miter lim="800000"/>
-                <a:headEnd/>
-                <a:tailEnd/>
-              </a14:hiddenLine>
-            </a:ext>
-          </a:extLst>
-        </p:spPr>
-      </p:pic>
-      <p:sp>
-        <p:nvSpPr>
-          <p:cNvPr id="29" name="TextBox 16">
-            <a:extLst>
-              <a:ext uri="{FF2B5EF4-FFF2-40B4-BE49-F238E27FC236}">
-                <a16:creationId xmlns:a16="http://schemas.microsoft.com/office/drawing/2014/main" id="{DB6A15CF-74A6-407F-85B3-089A116A7EA4}"/>
-              </a:ext>
-            </a:extLst>
-          </p:cNvPr>
-          <p:cNvSpPr txBox="1">
-            <a:spLocks noChangeArrowheads="1"/>
-          </p:cNvSpPr>
-          <p:nvPr/>
-        </p:nvSpPr>
-        <p:spPr bwMode="auto">
-          <a:xfrm>
-            <a:off x="6417010" y="2974662"/>
+            <a:off x="6408505" y="2984752"/>
             <a:ext cx="1115568" cy="430887"/>
           </a:xfrm>
           <a:prstGeom prst="rect">
@@ -5209,7 +5088,7 @@
                 <a:ea typeface="Amazon Ember" panose="020B0603020204020204" pitchFamily="34" charset="0"/>
                 <a:cs typeface="Arial" panose="020B0604020202020204" pitchFamily="34" charset="0"/>
               </a:rPr>
-              <a:t>Linux bastion instances</a:t>
+              <a:t>Linux bastion host</a:t>
             </a:r>
           </a:p>
         </p:txBody>
@@ -5390,7 +5269,7 @@
           <p:nvPr/>
         </p:nvPicPr>
         <p:blipFill>
-          <a:blip r:embed="rId13">
+          <a:blip r:embed="rId12">
             <a:extLst>
               <a:ext uri="{28A0092B-C50C-407E-A947-70E740481C1C}">
                 <a14:useLocalDpi xmlns:a14="http://schemas.microsoft.com/office/drawing/2010/main" val="0"/>
@@ -5556,10 +5435,10 @@
           <p:nvPr/>
         </p:nvPicPr>
         <p:blipFill>
-          <a:blip r:embed="rId14">
+          <a:blip r:embed="rId13">
             <a:extLst>
               <a:ext uri="{96DAC541-7B7A-43D3-8B79-37D633B846F1}">
-                <asvg:svgBlip xmlns:asvg="http://schemas.microsoft.com/office/drawing/2016/SVG/main" r:embed="rId15"/>
+                <asvg:svgBlip xmlns:asvg="http://schemas.microsoft.com/office/drawing/2016/SVG/main" r:embed="rId14"/>
               </a:ext>
             </a:extLst>
           </a:blip>
@@ -5577,66 +5456,6 @@
           </a:prstGeom>
         </p:spPr>
       </p:pic>
-      <p:pic>
-        <p:nvPicPr>
-          <p:cNvPr id="32" name="Graphic 15">
-            <a:extLst>
-              <a:ext uri="{FF2B5EF4-FFF2-40B4-BE49-F238E27FC236}">
-                <a16:creationId xmlns:a16="http://schemas.microsoft.com/office/drawing/2014/main" id="{15850A29-A0F4-4357-BCC5-2E9C615D522A}"/>
-              </a:ext>
-            </a:extLst>
-          </p:cNvPr>
-          <p:cNvPicPr>
-            <a:picLocks noChangeAspect="1" noChangeArrowheads="1"/>
-          </p:cNvPicPr>
-          <p:nvPr/>
-        </p:nvPicPr>
-        <p:blipFill>
-          <a:blip r:embed="rId16">
-            <a:extLst>
-              <a:ext uri="{28A0092B-C50C-407E-A947-70E740481C1C}">
-                <a14:useLocalDpi xmlns:a14="http://schemas.microsoft.com/office/drawing/2010/main" val="0"/>
-              </a:ext>
-            </a:extLst>
-          </a:blip>
-          <a:srcRect/>
-          <a:stretch>
-            <a:fillRect/>
-          </a:stretch>
-        </p:blipFill>
-        <p:spPr bwMode="auto">
-          <a:xfrm>
-            <a:off x="10167444" y="3249391"/>
-            <a:ext cx="762000" cy="762000"/>
-          </a:xfrm>
-          <a:prstGeom prst="rect">
-            <a:avLst/>
-          </a:prstGeom>
-          <a:noFill/>
-          <a:ln>
-            <a:noFill/>
-          </a:ln>
-          <a:extLst>
-            <a:ext uri="{909E8E84-426E-40DD-AFC4-6F175D3DCCD1}">
-              <a14:hiddenFill xmlns:a14="http://schemas.microsoft.com/office/drawing/2010/main">
-                <a:solidFill>
-                  <a:srgbClr val="FFFFFF"/>
-                </a:solidFill>
-              </a14:hiddenFill>
-            </a:ext>
-            <a:ext uri="{91240B29-F687-4F45-9708-019B960494DF}">
-              <a14:hiddenLine xmlns:a14="http://schemas.microsoft.com/office/drawing/2010/main" w="9525">
-                <a:solidFill>
-                  <a:srgbClr val="000000"/>
-                </a:solidFill>
-                <a:miter lim="800000"/>
-                <a:headEnd/>
-                <a:tailEnd/>
-              </a14:hiddenLine>
-            </a:ext>
-          </a:extLst>
-        </p:spPr>
-      </p:pic>
       <p:sp>
         <p:nvSpPr>
           <p:cNvPr id="33" name="TextBox 11">
@@ -5786,18 +5605,199 @@
             </a:lvl9pPr>
           </a:lstStyle>
           <a:p>
-            <a:pPr algn="ctr" eaLnBrk="1" hangingPunct="1"/>
+            <a:pPr algn="ctr"/>
             <a:r>
               <a:rPr lang="en-US" altLang="en-US" sz="1200" dirty="0">
                 <a:latin typeface="Arial" panose="020B0604020202020204" pitchFamily="34" charset="0"/>
                 <a:ea typeface="Amazon Ember" panose="020B0603020204020204" pitchFamily="34" charset="0"/>
                 <a:cs typeface="Arial" panose="020B0604020202020204" pitchFamily="34" charset="0"/>
               </a:rPr>
-              <a:t>AWS Systems Manager</a:t>
-            </a:r>
-          </a:p>
-        </p:txBody>
-      </p:sp>
+              <a:t>Amazon CloudWatch</a:t>
+            </a:r>
+          </a:p>
+        </p:txBody>
+      </p:sp>
+      <p:pic>
+        <p:nvPicPr>
+          <p:cNvPr id="34" name="Graphic 15">
+            <a:extLst>
+              <a:ext uri="{FF2B5EF4-FFF2-40B4-BE49-F238E27FC236}">
+                <a16:creationId xmlns:a16="http://schemas.microsoft.com/office/drawing/2014/main" id="{BA8CBB17-BD0B-47B2-BD84-DA008ED8AD9B}"/>
+              </a:ext>
+            </a:extLst>
+          </p:cNvPr>
+          <p:cNvPicPr>
+            <a:picLocks noChangeAspect="1" noChangeArrowheads="1"/>
+          </p:cNvPicPr>
+          <p:nvPr/>
+        </p:nvPicPr>
+        <p:blipFill>
+          <a:blip r:embed="rId15">
+            <a:extLst>
+              <a:ext uri="{28A0092B-C50C-407E-A947-70E740481C1C}">
+                <a14:useLocalDpi xmlns:a14="http://schemas.microsoft.com/office/drawing/2010/main" val="0"/>
+              </a:ext>
+            </a:extLst>
+          </a:blip>
+          <a:srcRect/>
+          <a:stretch>
+            <a:fillRect/>
+          </a:stretch>
+        </p:blipFill>
+        <p:spPr bwMode="auto">
+          <a:xfrm>
+            <a:off x="10167443" y="2072732"/>
+            <a:ext cx="762000" cy="762000"/>
+          </a:xfrm>
+          <a:prstGeom prst="rect">
+            <a:avLst/>
+          </a:prstGeom>
+          <a:noFill/>
+          <a:ln>
+            <a:noFill/>
+          </a:ln>
+          <a:extLst>
+            <a:ext uri="{909E8E84-426E-40DD-AFC4-6F175D3DCCD1}">
+              <a14:hiddenFill xmlns:a14="http://schemas.microsoft.com/office/drawing/2010/main">
+                <a:solidFill>
+                  <a:srgbClr val="FFFFFF"/>
+                </a:solidFill>
+              </a14:hiddenFill>
+            </a:ext>
+            <a:ext uri="{91240B29-F687-4F45-9708-019B960494DF}">
+              <a14:hiddenLine xmlns:a14="http://schemas.microsoft.com/office/drawing/2010/main" w="9525">
+                <a:solidFill>
+                  <a:srgbClr val="000000"/>
+                </a:solidFill>
+                <a:miter lim="800000"/>
+                <a:headEnd/>
+                <a:tailEnd/>
+              </a14:hiddenLine>
+            </a:ext>
+          </a:extLst>
+        </p:spPr>
+      </p:pic>
+      <p:pic>
+        <p:nvPicPr>
+          <p:cNvPr id="32" name="Graphic 60">
+            <a:extLst>
+              <a:ext uri="{FF2B5EF4-FFF2-40B4-BE49-F238E27FC236}">
+                <a16:creationId xmlns:a16="http://schemas.microsoft.com/office/drawing/2014/main" id="{DF86A74A-71C9-4EA9-896A-7C288CAA71EF}"/>
+              </a:ext>
+            </a:extLst>
+          </p:cNvPr>
+          <p:cNvPicPr>
+            <a:picLocks noChangeAspect="1" noChangeArrowheads="1"/>
+          </p:cNvPicPr>
+          <p:nvPr/>
+        </p:nvPicPr>
+        <p:blipFill>
+          <a:blip r:embed="rId16">
+            <a:extLst>
+              <a:ext uri="{28A0092B-C50C-407E-A947-70E740481C1C}">
+                <a14:useLocalDpi xmlns:a14="http://schemas.microsoft.com/office/drawing/2010/main" val="0"/>
+              </a:ext>
+            </a:extLst>
+          </a:blip>
+          <a:srcRect/>
+          <a:stretch>
+            <a:fillRect/>
+          </a:stretch>
+        </p:blipFill>
+        <p:spPr bwMode="auto">
+          <a:xfrm>
+            <a:off x="3151987" y="2537838"/>
+            <a:ext cx="457200" cy="457200"/>
+          </a:xfrm>
+          <a:prstGeom prst="rect">
+            <a:avLst/>
+          </a:prstGeom>
+          <a:noFill/>
+          <a:ln>
+            <a:noFill/>
+          </a:ln>
+          <a:extLst>
+            <a:ext uri="{909E8E84-426E-40DD-AFC4-6F175D3DCCD1}">
+              <a14:hiddenFill xmlns:a14="http://schemas.microsoft.com/office/drawing/2010/main">
+                <a:solidFill>
+                  <a:srgbClr val="FFFFFF"/>
+                </a:solidFill>
+              </a14:hiddenFill>
+            </a:ext>
+            <a:ext uri="{91240B29-F687-4F45-9708-019B960494DF}">
+              <a14:hiddenLine xmlns:a14="http://schemas.microsoft.com/office/drawing/2010/main" w="9525">
+                <a:solidFill>
+                  <a:srgbClr val="000000"/>
+                </a:solidFill>
+                <a:miter lim="800000"/>
+                <a:headEnd/>
+                <a:tailEnd/>
+              </a14:hiddenLine>
+            </a:ext>
+          </a:extLst>
+        </p:spPr>
+      </p:pic>
+      <p:pic>
+        <p:nvPicPr>
+          <p:cNvPr id="35" name="Graphic 60">
+            <a:extLst>
+              <a:ext uri="{FF2B5EF4-FFF2-40B4-BE49-F238E27FC236}">
+                <a16:creationId xmlns:a16="http://schemas.microsoft.com/office/drawing/2014/main" id="{B2D044DF-F87B-49A2-B710-9E8ECA5B1A98}"/>
+              </a:ext>
+            </a:extLst>
+          </p:cNvPr>
+          <p:cNvPicPr>
+            <a:picLocks noChangeAspect="1" noChangeArrowheads="1"/>
+          </p:cNvPicPr>
+          <p:nvPr/>
+        </p:nvPicPr>
+        <p:blipFill>
+          <a:blip r:embed="rId16">
+            <a:alphaModFix amt="50000"/>
+            <a:extLst>
+              <a:ext uri="{28A0092B-C50C-407E-A947-70E740481C1C}">
+                <a14:useLocalDpi xmlns:a14="http://schemas.microsoft.com/office/drawing/2010/main" val="0"/>
+              </a:ext>
+            </a:extLst>
+          </a:blip>
+          <a:srcRect/>
+          <a:stretch>
+            <a:fillRect/>
+          </a:stretch>
+        </p:blipFill>
+        <p:spPr bwMode="auto">
+          <a:xfrm>
+            <a:off x="6737689" y="2545603"/>
+            <a:ext cx="457200" cy="457200"/>
+          </a:xfrm>
+          <a:prstGeom prst="rect">
+            <a:avLst/>
+          </a:prstGeom>
+          <a:noFill/>
+          <a:ln>
+            <a:noFill/>
+          </a:ln>
+          <a:extLst>
+            <a:ext uri="{909E8E84-426E-40DD-AFC4-6F175D3DCCD1}">
+              <a14:hiddenFill xmlns:a14="http://schemas.microsoft.com/office/drawing/2010/main">
+                <a:solidFill>
+                  <a:srgbClr val="FFFFFF"/>
+                </a:solidFill>
+              </a14:hiddenFill>
+            </a:ext>
+            <a:ext uri="{91240B29-F687-4F45-9708-019B960494DF}">
+              <a14:hiddenLine xmlns:a14="http://schemas.microsoft.com/office/drawing/2010/main" w="9525">
+                <a:solidFill>
+                  <a:srgbClr val="000000"/>
+                </a:solidFill>
+                <a:miter lim="800000"/>
+                <a:headEnd/>
+                <a:tailEnd/>
+              </a14:hiddenLine>
+            </a:ext>
+          </a:extLst>
+        </p:spPr>
+      </p:pic>
     </p:spTree>
     <p:extLst>
       <p:ext uri="{BB962C8B-B14F-4D97-AF65-F5344CB8AC3E}">
